--- a/01_Projektmanagement/Assignment 5 - Project Managements Methods_Christoph.pptx
+++ b/01_Projektmanagement/Assignment 5 - Project Managements Methods_Christoph.pptx
@@ -170,6 +170,35 @@
 </p:presentation>
 </file>
 
+<file path=ppt/changesInfos/changesInfo1.xml><?xml version="1.0" encoding="utf-8"?>
+<pc:chgInfo xmlns:a="http://schemas.openxmlformats.org/drawingml/2006/main" xmlns:r="http://schemas.openxmlformats.org/officeDocument/2006/relationships" xmlns:ac="http://schemas.microsoft.com/office/drawing/2013/main/command" xmlns:pc="http://schemas.microsoft.com/office/powerpoint/2013/main/command">
+  <pc:docChgLst>
+    <pc:chgData name="Chris G" userId="ec6dd0bf820af39d" providerId="LiveId" clId="{FB35D9EF-75AB-42DF-A8F7-6251947C828E}"/>
+    <pc:docChg chg="custSel modSld">
+      <pc:chgData name="Chris G" userId="ec6dd0bf820af39d" providerId="LiveId" clId="{FB35D9EF-75AB-42DF-A8F7-6251947C828E}" dt="2018-01-21T12:55:56.055" v="0" actId="313"/>
+      <pc:docMkLst>
+        <pc:docMk/>
+      </pc:docMkLst>
+      <pc:sldChg chg="modSp">
+        <pc:chgData name="Chris G" userId="ec6dd0bf820af39d" providerId="LiveId" clId="{FB35D9EF-75AB-42DF-A8F7-6251947C828E}" dt="2018-01-21T12:55:56.055" v="0" actId="313"/>
+        <pc:sldMkLst>
+          <pc:docMk/>
+          <pc:sldMk cId="3343622710" sldId="1739"/>
+        </pc:sldMkLst>
+        <pc:spChg chg="mod">
+          <ac:chgData name="Chris G" userId="ec6dd0bf820af39d" providerId="LiveId" clId="{FB35D9EF-75AB-42DF-A8F7-6251947C828E}" dt="2018-01-21T12:55:56.055" v="0" actId="313"/>
+          <ac:spMkLst>
+            <pc:docMk/>
+            <pc:sldMk cId="3343622710" sldId="1739"/>
+            <ac:spMk id="7" creationId="{AAA1BAFE-DE93-124D-B994-0934F453EC81}"/>
+          </ac:spMkLst>
+        </pc:spChg>
+      </pc:sldChg>
+    </pc:docChg>
+  </pc:docChgLst>
+</pc:chgInfo>
+</file>
+
 <file path=ppt/handoutMasters/handoutMaster1.xml><?xml version="1.0" encoding="utf-8"?>
 <p:handoutMaster xmlns:a="http://schemas.openxmlformats.org/drawingml/2006/main" xmlns:r="http://schemas.openxmlformats.org/officeDocument/2006/relationships" xmlns:p="http://schemas.openxmlformats.org/presentationml/2006/main">
   <p:cSld>
@@ -252,7 +281,7 @@
           <a:p>
             <a:fld id="{D27E40BE-1D10-4C80-A8BF-F5AF39EFA189}" type="datetimeFigureOut">
               <a:rPr lang="de-DE" smtClean="0"/>
-              <a:t>21.01.18</a:t>
+              <a:t>21.01.2018</a:t>
             </a:fld>
             <a:endParaRPr lang="de-DE"/>
           </a:p>
@@ -417,7 +446,7 @@
           <a:p>
             <a:fld id="{E2C32285-C8C6-4668-B04E-FA4453CF6A76}" type="datetimeFigureOut">
               <a:rPr lang="de-AT" smtClean="0"/>
-              <a:t>21.01.18</a:t>
+              <a:t>21.01.2018</a:t>
             </a:fld>
             <a:endParaRPr lang="de-AT"/>
           </a:p>
@@ -866,7 +895,7 @@
           <a:p>
             <a:fld id="{AD7C823A-8D1F-4A7A-BCD3-140CE86C5147}" type="datetime1">
               <a:rPr lang="de-AT" smtClean="0"/>
-              <a:t>21.01.18</a:t>
+              <a:t>21.01.2018</a:t>
             </a:fld>
             <a:endParaRPr lang="de-AT"/>
           </a:p>
@@ -1289,7 +1318,7 @@
           <a:p>
             <a:fld id="{00C2A7D4-6DA7-4AC0-90DA-495E283232C3}" type="datetime1">
               <a:rPr lang="de-AT" smtClean="0"/>
-              <a:t>21.01.18</a:t>
+              <a:t>21.01.2018</a:t>
             </a:fld>
             <a:endParaRPr lang="de-AT"/>
           </a:p>
@@ -1540,7 +1569,7 @@
           <a:p>
             <a:fld id="{A6A55E55-235A-4F68-B44B-5B270E39D9BB}" type="datetime1">
               <a:rPr lang="de-AT" smtClean="0"/>
-              <a:t>21.01.18</a:t>
+              <a:t>21.01.2018</a:t>
             </a:fld>
             <a:endParaRPr lang="de-AT" dirty="0"/>
           </a:p>
@@ -1832,7 +1861,7 @@
           <a:p>
             <a:fld id="{612221E0-5FCF-46D5-8E71-06BE4024C7C9}" type="datetime1">
               <a:rPr lang="de-AT" smtClean="0"/>
-              <a:t>21.01.18</a:t>
+              <a:t>21.01.2018</a:t>
             </a:fld>
             <a:endParaRPr lang="de-AT" dirty="0"/>
           </a:p>
@@ -2243,7 +2272,7 @@
           <a:p>
             <a:fld id="{2C1BF1B5-1080-4A4D-93FE-2AFC40FEAED7}" type="datetime1">
               <a:rPr lang="de-AT" smtClean="0"/>
-              <a:t>21.01.18</a:t>
+              <a:t>21.01.2018</a:t>
             </a:fld>
             <a:endParaRPr lang="de-AT"/>
           </a:p>
@@ -2364,7 +2393,7 @@
           <a:p>
             <a:fld id="{17707911-CD8C-4B83-8C1E-2EDDEAF7124F}" type="datetime1">
               <a:rPr lang="de-AT" smtClean="0"/>
-              <a:t>21.01.18</a:t>
+              <a:t>21.01.2018</a:t>
             </a:fld>
             <a:endParaRPr lang="de-AT"/>
           </a:p>
@@ -2462,7 +2491,7 @@
           <a:p>
             <a:fld id="{B3A57C43-A959-49D5-BD00-F6710B17D347}" type="datetime1">
               <a:rPr lang="de-AT" smtClean="0"/>
-              <a:t>21.01.18</a:t>
+              <a:t>21.01.2018</a:t>
             </a:fld>
             <a:endParaRPr lang="de-AT"/>
           </a:p>
@@ -2742,7 +2771,7 @@
           <a:p>
             <a:fld id="{11EDFD0D-1B57-4662-AB88-65D7683B137A}" type="datetime1">
               <a:rPr lang="de-AT" smtClean="0"/>
-              <a:t>21.01.18</a:t>
+              <a:t>21.01.2018</a:t>
             </a:fld>
             <a:endParaRPr lang="de-AT"/>
           </a:p>
@@ -2998,7 +3027,7 @@
           <a:p>
             <a:fld id="{7E79AC9D-681F-4C6C-B748-A22E1014B687}" type="datetime1">
               <a:rPr lang="de-AT" smtClean="0"/>
-              <a:t>21.01.18</a:t>
+              <a:t>21.01.2018</a:t>
             </a:fld>
             <a:endParaRPr lang="de-AT"/>
           </a:p>
@@ -3171,7 +3200,7 @@
           <a:p>
             <a:fld id="{F88EDF09-200F-4437-870F-6371DDA93B70}" type="datetime1">
               <a:rPr lang="de-AT" smtClean="0"/>
-              <a:t>21.01.18</a:t>
+              <a:t>21.01.2018</a:t>
             </a:fld>
             <a:endParaRPr lang="de-AT"/>
           </a:p>
@@ -3387,7 +3416,7 @@
           <a:p>
             <a:fld id="{E26C028F-E316-4C0A-9E06-C9E8477B7866}" type="datetime1">
               <a:rPr lang="de-AT" smtClean="0"/>
-              <a:t>21.01.18</a:t>
+              <a:t>21.01.2018</a:t>
             </a:fld>
             <a:endParaRPr lang="de-AT"/>
           </a:p>
@@ -4221,7 +4250,7 @@
           <a:p>
             <a:fld id="{34DA982F-5563-4A76-B5F3-2BDEBD27B3E2}" type="datetime1">
               <a:rPr lang="de-AT" smtClean="0"/>
-              <a:t>21.01.18</a:t>
+              <a:t>21.01.2018</a:t>
             </a:fld>
             <a:endParaRPr lang="de-AT" dirty="0"/>
           </a:p>
@@ -4504,7 +4533,7 @@
           <a:p>
             <a:fld id="{F888CD76-134D-4DA9-8733-9BC79E7EE8C6}" type="datetime1">
               <a:rPr lang="de-AT" smtClean="0"/>
-              <a:t>21.01.18</a:t>
+              <a:t>21.01.2018</a:t>
             </a:fld>
             <a:endParaRPr lang="de-AT" dirty="0"/>
           </a:p>
@@ -4694,7 +4723,7 @@
           <a:p>
             <a:fld id="{A6A55E55-235A-4F68-B44B-5B270E39D9BB}" type="datetime1">
               <a:rPr lang="de-AT" smtClean="0"/>
-              <a:t>21.01.18</a:t>
+              <a:t>21.01.2018</a:t>
             </a:fld>
             <a:endParaRPr lang="de-AT" dirty="0"/>
           </a:p>
@@ -4876,7 +4905,7 @@
           <a:p>
             <a:fld id="{A6A55E55-235A-4F68-B44B-5B270E39D9BB}" type="datetime1">
               <a:rPr lang="de-AT" smtClean="0"/>
-              <a:t>21.01.18</a:t>
+              <a:t>21.01.2018</a:t>
             </a:fld>
             <a:endParaRPr lang="de-AT" dirty="0"/>
           </a:p>
@@ -5028,7 +5057,7 @@
           <a:p>
             <a:fld id="{A6A55E55-235A-4F68-B44B-5B270E39D9BB}" type="datetime1">
               <a:rPr lang="de-AT" smtClean="0"/>
-              <a:t>21.01.18</a:t>
+              <a:t>21.01.2018</a:t>
             </a:fld>
             <a:endParaRPr lang="de-AT" dirty="0"/>
           </a:p>
@@ -5387,7 +5416,7 @@
           <a:p>
             <a:fld id="{A6A55E55-235A-4F68-B44B-5B270E39D9BB}" type="datetime1">
               <a:rPr lang="de-AT" smtClean="0"/>
-              <a:t>21.01.18</a:t>
+              <a:t>21.01.2018</a:t>
             </a:fld>
             <a:endParaRPr lang="de-AT" dirty="0"/>
           </a:p>
@@ -5488,15 +5517,7 @@
             </a:pPr>
             <a:r>
               <a:rPr lang="en-GB" dirty="0"/>
-              <a:t>Evaluating </a:t>
-            </a:r>
-            <a:r>
-              <a:rPr lang="en-GB" dirty="0" err="1"/>
-              <a:t>potencial</a:t>
-            </a:r>
-            <a:r>
-              <a:rPr lang="en-GB" dirty="0"/>
-              <a:t> Risks of the Project regarding the customer requirements</a:t>
+              <a:t>Evaluating potential Risks of the Project regarding the customer requirements</a:t>
             </a:r>
           </a:p>
           <a:p>
@@ -5861,7 +5882,7 @@
           <a:p>
             <a:fld id="{A6A55E55-235A-4F68-B44B-5B270E39D9BB}" type="datetime1">
               <a:rPr lang="de-AT" smtClean="0"/>
-              <a:t>21.01.18</a:t>
+              <a:t>21.01.2018</a:t>
             </a:fld>
             <a:endParaRPr lang="de-AT" dirty="0"/>
           </a:p>
